--- a/Documentation/Learning Management System.pptx
+++ b/Documentation/Learning Management System.pptx
@@ -112,6 +112,11 @@
       </a:defRPr>
     </a:lvl9pPr>
   </p:defaultTextStyle>
+  <p:extLst>
+    <p:ext uri="{EFAFB233-063F-42B5-8137-9DF3F51BA10A}">
+      <p15:sldGuideLst xmlns:p15="http://schemas.microsoft.com/office/powerpoint/2012/main"/>
+    </p:ext>
+  </p:extLst>
 </p:presentation>
 </file>
 
@@ -11854,38 +11859,6 @@
           </a:p>
         </p:txBody>
       </p:sp>
-      <p:pic>
-        <p:nvPicPr>
-          <p:cNvPr id="5" name="Content Placeholder 4">
-            <a:extLst>
-              <a:ext uri="{FF2B5EF4-FFF2-40B4-BE49-F238E27FC236}">
-                <a16:creationId xmlns:a16="http://schemas.microsoft.com/office/drawing/2014/main" id="{1A4F79EB-26EE-44B8-BB92-E0A351F1CA3C}"/>
-              </a:ext>
-            </a:extLst>
-          </p:cNvPr>
-          <p:cNvPicPr>
-            <a:picLocks noGrp="1" noChangeAspect="1"/>
-          </p:cNvPicPr>
-          <p:nvPr>
-            <p:ph idx="1"/>
-          </p:nvPr>
-        </p:nvPicPr>
-        <p:blipFill>
-          <a:blip r:embed="rId7"/>
-          <a:stretch>
-            <a:fillRect/>
-          </a:stretch>
-        </p:blipFill>
-        <p:spPr>
-          <a:xfrm>
-            <a:off x="3296469" y="643467"/>
-            <a:ext cx="5599061" cy="5571066"/>
-          </a:xfrm>
-          <a:prstGeom prst="rect">
-            <a:avLst/>
-          </a:prstGeom>
-        </p:spPr>
-      </p:pic>
       <p:sp>
         <p:nvSpPr>
           <p:cNvPr id="33" name="Rectangle 23">
@@ -11939,6 +11912,35 @@
           </a:fontRef>
         </p:style>
       </p:sp>
+      <p:pic>
+        <p:nvPicPr>
+          <p:cNvPr id="6" name="Content Placeholder 5">
+            <a:extLst>
+              <a:ext uri="{FF2B5EF4-FFF2-40B4-BE49-F238E27FC236}">
+                <a16:creationId xmlns:a16="http://schemas.microsoft.com/office/drawing/2014/main" id="{C9B51852-7688-4537-A1B9-926D6A4104B3}"/>
+              </a:ext>
+            </a:extLst>
+          </p:cNvPr>
+          <p:cNvPicPr>
+            <a:picLocks noGrp="1" noChangeAspect="1"/>
+          </p:cNvPicPr>
+          <p:nvPr>
+            <p:ph idx="1"/>
+          </p:nvPr>
+        </p:nvPicPr>
+        <p:blipFill>
+          <a:blip r:embed="rId7"/>
+          <a:stretch>
+            <a:fillRect/>
+          </a:stretch>
+        </p:blipFill>
+        <p:spPr>
+          <a:xfrm>
+            <a:off x="3641779" y="620415"/>
+            <a:ext cx="5185014" cy="5421233"/>
+          </a:xfrm>
+        </p:spPr>
+      </p:pic>
     </p:spTree>
     <p:extLst>
       <p:ext uri="{BB962C8B-B14F-4D97-AF65-F5344CB8AC3E}">
